--- a/results/m02-slides-and-speaker-notes.pptx
+++ b/results/m02-slides-and-speaker-notes.pptx
@@ -26318,6 +26318,116 @@
         <p:txBody>
           <a:bodyPr/>
           <a:lstStyle/>
+          <a:p>
+            <a:pPr lvl="0" marL="0" indent="0">
+              <a:buNone/>
+            </a:pPr>
+            <a:r>
+              <a:rPr/>
+              <a:t>data</a:t>
+            </a:r>
+            <a:r>
+              <a:rPr/>
+              <a:t> </a:t>
+            </a:r>
+            <a:r>
+              <a:rPr/>
+              <a:t>intro.fat;</a:t>
+            </a:r>
+            <a:r>
+              <a:rPr/>
+              <a:t> </a:t>
+            </a:r>
+            <a:r>
+              <a:rPr/>
+              <a:t>infile</a:t>
+            </a:r>
+            <a:r>
+              <a:rPr/>
+              <a:t> </a:t>
+            </a:r>
+            <a:r>
+              <a:rPr/>
+              <a:t>fat;</a:t>
+            </a:r>
+            <a:r>
+              <a:rPr/>
+              <a:t> </a:t>
+            </a:r>
+            <a:r>
+              <a:rPr/>
+              <a:t>input</a:t>
+            </a:r>
+            <a:r>
+              <a:rPr/>
+              <a:t> </a:t>
+            </a:r>
+            <a:r>
+              <a:rPr/>
+              <a:t>case</a:t>
+            </a:r>
+            <a:r>
+              <a:rPr/>
+              <a:t> </a:t>
+            </a:r>
+            <a:r>
+              <a:rPr/>
+              <a:t>fat_b</a:t>
+            </a:r>
+            <a:r>
+              <a:rPr/>
+              <a:t> </a:t>
+            </a:r>
+            <a:r>
+              <a:rPr/>
+              <a:t>fat_s</a:t>
+            </a:r>
+            <a:r>
+              <a:rPr/>
+              <a:t> </a:t>
+            </a:r>
+            <a:r>
+              <a:rPr/>
+              <a:t>dens</a:t>
+            </a:r>
+            <a:r>
+              <a:rPr/>
+              <a:t> </a:t>
+            </a:r>
+            <a:r>
+              <a:rPr/>
+              <a:t>age</a:t>
+            </a:r>
+            <a:r>
+              <a:rPr/>
+              <a:t> </a:t>
+            </a:r>
+            <a:r>
+              <a:rPr/>
+              <a:t>wt</a:t>
+            </a:r>
+            <a:r>
+              <a:rPr/>
+              <a:t> </a:t>
+            </a:r>
+            <a:r>
+              <a:rPr/>
+              <a:t>ht</a:t>
+            </a:r>
+            <a:r>
+              <a:rPr/>
+              <a:t> </a:t>
+            </a:r>
+            <a:r>
+              <a:rPr/>
+              <a:t>bmi</a:t>
+            </a:r>
+          </a:p>
+          <a:p>
+            <a:pPr lvl="0" marL="0" indent="0">
+              <a:buNone/>
+            </a:pPr>
+          </a:p>
           <a:p>
             <a:pPr lvl="0" marL="0" indent="0">
               <a:buNone/>

--- a/results/m02-slides-and-speaker-notes.pptx
+++ b/results/m02-slides-and-speaker-notes.pptx
@@ -36571,7 +36571,7 @@
               </a:rPr>
               <a:t>...
     neck="Neck circumference (cm)"
-    chest="Chest circumference (cm)"
+    chest="+ SimplChest circumference (cm)"
     abdomen="Abdomen circumference (cm) at the umbilicus and level with the iliac crest"
     hip="Hip circumference (cm)"
     thigh="Thigh circumference (cm)"
@@ -37420,7 +37420,16 @@
               <a:rPr sz="1800">
                 <a:latin typeface="Courier"/>
               </a:rPr>
-              <a:t>No ending found</a:t>
+              <a:t>* Look at smallest value;
+proc sort
+    data=intro.fat;
+  by ht;
+run;
+proc print
+    data=intro.fat(obs=1);
+  title1 "The row with the smallest ht";
+  title2 "Note the inconsistency with wt";
+run;</a:t>
             </a:r>
           </a:p>
         </p:txBody>
@@ -38201,7 +38210,12 @@
               <a:rPr sz="1800">
                 <a:latin typeface="Courier"/>
               </a:rPr>
-              <a:t>No beginning found</a:t>
+              <a:t>* Faulty approach for filtering out negative values;
+proc print
+    data=intro.fat2;
+  where ht &lt; 0;
+  title1 "ht &lt; 0 will include ht = .";
+run;</a:t>
             </a:r>
           </a:p>
         </p:txBody>
@@ -38713,7 +38727,13 @@
               <a:rPr sz="1800">
                 <a:latin typeface="Courier"/>
               </a:rPr>
-              <a:t>No beginning found</a:t>
+              <a:t>* Counting missing values;
+proc means
+    n nmiss mean std min max
+    data=intro.fat2;
+  var ht;
+  title "Using the nmiss statistic";
+run;</a:t>
             </a:r>
           </a:p>
         </p:txBody>
@@ -39080,7 +39100,17 @@
               <a:rPr sz="1800">
                 <a:latin typeface="Courier"/>
               </a:rPr>
-              <a:t>No beginning found</a:t>
+              <a:t>* Simple transformations;
+data converted_units;
+  set intro.fat2;
+  ht_cm = ht * 2.54;
+  wt_kg = wt / 2.2; 
+run;
+proc print 
+    data=converted_units(obs=10);
+  var ht ht_cm wt wt_kg;
+  title1 "Original and converted units";
+run;</a:t>
             </a:r>
           </a:p>
         </p:txBody>
@@ -39309,7 +39339,12 @@
               <a:rPr sz="1800">
                 <a:latin typeface="Courier"/>
               </a:rPr>
-              <a:t>No beginning found</a:t>
+              <a:t>* Display a histogram;
+proc sgplot
+    data=intro.fat2;
+  histogram ht;
+  title "Histogram with default bins";
+run;</a:t>
             </a:r>
           </a:p>
         </p:txBody>
@@ -39554,7 +39589,12 @@
               <a:rPr sz="1800">
                 <a:latin typeface="Courier"/>
               </a:rPr>
-              <a:t>No beginning found</a:t>
+              <a:t>* Display a histogram;
+proc sgplot
+    data=intro.fat2;
+  histogram ht;
+  title "Histogram with default bins";
+run;</a:t>
             </a:r>
           </a:p>
         </p:txBody>
@@ -39937,7 +39977,18 @@
               <a:rPr sz="1800">
                 <a:latin typeface="Courier"/>
               </a:rPr>
-              <a:t>No beginning found</a:t>
+              <a:t>* Revised histogram with narrow bins;
+proc sgplot
+    data=intro.fat2;
+  histogram ht / binstart=60 binwidth=1;
+  title "Histogram with narrow bins";
+run;
+* Revised histogram with wide bins;
+proc sgplot
+    data=intro.fat2;
+  histogram ht / binstart=60 binwidth=5;
+  title "Histogram with wide bins";
+run;</a:t>
             </a:r>
           </a:p>
         </p:txBody>
@@ -40279,7 +40330,14 @@
               <a:rPr sz="1800">
                 <a:latin typeface="Courier"/>
               </a:rPr>
-              <a:t>No beginning found</a:t>
+              <a:t>* Calculate correlations;
+proc corr
+    data=intro.fat2
+    noprob nosimple;
+  var fat_brozek fat_siri;
+  with neck -- wrist;
+  title "Correlation matrix";
+run;</a:t>
             </a:r>
           </a:p>
         </p:txBody>
@@ -40377,7 +40435,14 @@
               <a:rPr sz="1800">
                 <a:latin typeface="Courier"/>
               </a:rPr>
-              <a:t>No beginning found</a:t>
+              <a:t>* Calculate correlations;
+proc corr
+    data=intro.fat2
+    noprob nosimple;
+  var fat_brozek fat_siri;
+  with neck -- wrist;
+  title "Correlation matrix";
+run;</a:t>
             </a:r>
           </a:p>
         </p:txBody>
@@ -40769,7 +40834,18 @@
               <a:rPr sz="1800">
                 <a:latin typeface="Courier"/>
               </a:rPr>
-              <a:t>No beginning found</a:t>
+              <a:t>* Save the correlations in a separate data file.;
+proc corr
+    data=intro.fat2
+    noprint
+    outp=correlations;
+  var fat_brozek fat_siri;
+  with neck -- wrist;
+run;
+proc print 
+    data=correlations;
+  title "Correlation matrix output to a data set";
+run;</a:t>
             </a:r>
           </a:p>
         </p:txBody>
@@ -41348,7 +41424,22 @@
               <a:rPr sz="1800">
                 <a:latin typeface="Courier"/>
               </a:rPr>
-              <a:t>No beginning found</a:t>
+              <a:t>* Modifying these correlations.;
+data correlations;
+  set correlations;
+  if _type_="CORR";
+  drop type;
+  fat_brozek=round(100*fat_brozek);
+  fat_siri=round(100*fat_siri);
+run;
+proc sort
+    data=correlations;
+  by descending fat_brozek;
+run;
+proc print 
+    data=correlations;
+  title "Rounded and re-ordered correlation matrix";
+run;</a:t>
             </a:r>
           </a:p>
         </p:txBody>
@@ -41585,7 +41676,12 @@
               <a:rPr sz="1800">
                 <a:latin typeface="Courier"/>
               </a:rPr>
-              <a:t>No beginning found</a:t>
+              <a:t>* Draw a scatterplot.;
+proc sgplot
+    data=intro.fat2;
+  scatter x=abdomen y=fat_brozek;
+  title "Simple scatterplot";
+run;</a:t>
             </a:r>
           </a:p>
         </p:txBody>
@@ -41830,7 +41926,13 @@
               <a:rPr sz="1800">
                 <a:latin typeface="Courier"/>
               </a:rPr>
-              <a:t>No beginning found</a:t>
+              <a:t>* Adding linear trend line.;
+proc sgplot
+    data=intro.fat2;
+  scatter x=abdomen y=fat_brozek;
+  reg x=abdomen y=fat_brozek;
+  title "Scatterplot with linear regression line";
+run;</a:t>
             </a:r>
           </a:p>
         </p:txBody>
@@ -42091,7 +42193,13 @@
               <a:rPr sz="1800">
                 <a:latin typeface="Courier"/>
               </a:rPr>
-              <a:t>No beginning found</a:t>
+              <a:t>* Adding a smooth curve.;
+proc sgplot
+    data=intro.fat2;
+  scatter x=abdomen y=fat_brozek;
+  pbspline x=abdomen y=fat_brozek;
+  title "Scatterplot with a smooth curve";
+run;</a:t>
             </a:r>
           </a:p>
         </p:txBody>

--- a/results/m02-slides-and-speaker-notes.pptx
+++ b/results/m02-slides-and-speaker-notes.pptx
@@ -5,7 +5,7 @@
     <p:sldMasterId id="2147483648" r:id="rId1"/>
   </p:sldMasterIdLst>
   <p:notesMasterIdLst>
-    <p:NotesMasterId r:id="rId61"/>
+    <p:NotesMasterId r:id="rId62"/>
   </p:notesMasterIdLst>
   <p:sldIdLst>
     <p:sldId id="256" r:id="rId2"/>
@@ -67,6 +67,7 @@
     <p:sldId id="312" r:id="rId58"/>
     <p:sldId id="313" r:id="rId59"/>
     <p:sldId id="314" r:id="rId60"/>
+    <p:sldId id="315" r:id="rId61"/>
   </p:sldIdLst>
   <p:sldSz cx="9144000" cy="6858000" type="screen4x3"/>
   <p:notesSz cx="6858000" cy="9144000"/>
@@ -601,110 +602,6 @@
               <a:rPr/>
               <a:t>Simon</a:t>
             </a:r>
-            <a:r>
-              <a:rPr/>
-              <a:t> </a:t>
-            </a:r>
-            <a:r>
-              <a:rPr/>
-              <a:t>date:</a:t>
-            </a:r>
-            <a:r>
-              <a:rPr/>
-              <a:t> </a:t>
-            </a:r>
-            <a:r>
-              <a:rPr/>
-              <a:t>created</a:t>
-            </a:r>
-            <a:r>
-              <a:rPr/>
-              <a:t> </a:t>
-            </a:r>
-            <a:r>
-              <a:rPr/>
-              <a:t>2021-05-30</a:t>
-            </a:r>
-            <a:r>
-              <a:rPr/>
-              <a:t> </a:t>
-            </a:r>
-            <a:r>
-              <a:rPr/>
-              <a:t>purpose:</a:t>
-            </a:r>
-            <a:r>
-              <a:rPr/>
-              <a:t> </a:t>
-            </a:r>
-            <a:r>
-              <a:rPr/>
-              <a:t>to</a:t>
-            </a:r>
-            <a:r>
-              <a:rPr/>
-              <a:t> </a:t>
-            </a:r>
-            <a:r>
-              <a:rPr/>
-              <a:t>produce</a:t>
-            </a:r>
-            <a:r>
-              <a:rPr/>
-              <a:t> </a:t>
-            </a:r>
-            <a:r>
-              <a:rPr/>
-              <a:t>slides</a:t>
-            </a:r>
-            <a:r>
-              <a:rPr/>
-              <a:t> </a:t>
-            </a:r>
-            <a:r>
-              <a:rPr/>
-              <a:t>for</a:t>
-            </a:r>
-            <a:r>
-              <a:rPr/>
-              <a:t> </a:t>
-            </a:r>
-            <a:r>
-              <a:rPr/>
-              <a:t>module01</a:t>
-            </a:r>
-            <a:r>
-              <a:rPr/>
-              <a:t> </a:t>
-            </a:r>
-            <a:r>
-              <a:rPr/>
-              <a:t>videos</a:t>
-            </a:r>
-            <a:r>
-              <a:rPr/>
-              <a:t> </a:t>
-            </a:r>
-            <a:r>
-              <a:rPr/>
-              <a:t>license:</a:t>
-            </a:r>
-            <a:r>
-              <a:rPr/>
-              <a:t> </a:t>
-            </a:r>
-            <a:r>
-              <a:rPr/>
-              <a:t>public</a:t>
-            </a:r>
-            <a:r>
-              <a:rPr/>
-              <a:t> </a:t>
-            </a:r>
-            <a:r>
-              <a:rPr/>
-              <a:t>domain</a:t>
-            </a:r>
           </a:p>
           <a:p>
             <a:pPr lvl="0" marL="0" indent="0">
@@ -717,6 +614,128 @@
             </a:pPr>
             <a:r>
               <a:rPr/>
+              <a:t>date:</a:t>
+            </a:r>
+            <a:r>
+              <a:rPr/>
+              <a:t> </a:t>
+            </a:r>
+            <a:r>
+              <a:rPr/>
+              <a:t>created</a:t>
+            </a:r>
+            <a:r>
+              <a:rPr/>
+              <a:t> </a:t>
+            </a:r>
+            <a:r>
+              <a:rPr/>
+              <a:t>2021-05-30</a:t>
+            </a:r>
+          </a:p>
+          <a:p>
+            <a:pPr lvl="0" marL="0" indent="0">
+              <a:buNone/>
+            </a:pPr>
+          </a:p>
+          <a:p>
+            <a:pPr lvl="0" marL="0" indent="0">
+              <a:buNone/>
+            </a:pPr>
+            <a:r>
+              <a:rPr/>
+              <a:t>purpose:</a:t>
+            </a:r>
+            <a:r>
+              <a:rPr/>
+              <a:t> </a:t>
+            </a:r>
+            <a:r>
+              <a:rPr/>
+              <a:t>to</a:t>
+            </a:r>
+            <a:r>
+              <a:rPr/>
+              <a:t> </a:t>
+            </a:r>
+            <a:r>
+              <a:rPr/>
+              <a:t>produce</a:t>
+            </a:r>
+            <a:r>
+              <a:rPr/>
+              <a:t> </a:t>
+            </a:r>
+            <a:r>
+              <a:rPr/>
+              <a:t>slides</a:t>
+            </a:r>
+            <a:r>
+              <a:rPr/>
+              <a:t> </a:t>
+            </a:r>
+            <a:r>
+              <a:rPr/>
+              <a:t>for</a:t>
+            </a:r>
+            <a:r>
+              <a:rPr/>
+              <a:t> </a:t>
+            </a:r>
+            <a:r>
+              <a:rPr/>
+              <a:t>module01</a:t>
+            </a:r>
+            <a:r>
+              <a:rPr/>
+              <a:t> </a:t>
+            </a:r>
+            <a:r>
+              <a:rPr/>
+              <a:t>videos</a:t>
+            </a:r>
+          </a:p>
+          <a:p>
+            <a:pPr lvl="0" marL="0" indent="0">
+              <a:buNone/>
+            </a:pPr>
+          </a:p>
+          <a:p>
+            <a:pPr lvl="0" marL="0" indent="0">
+              <a:buNone/>
+            </a:pPr>
+            <a:r>
+              <a:rPr/>
+              <a:t>license:</a:t>
+            </a:r>
+            <a:r>
+              <a:rPr/>
+              <a:t> </a:t>
+            </a:r>
+            <a:r>
+              <a:rPr/>
+              <a:t>public</a:t>
+            </a:r>
+            <a:r>
+              <a:rPr/>
+              <a:t> </a:t>
+            </a:r>
+            <a:r>
+              <a:rPr/>
+              <a:t>domain</a:t>
+            </a:r>
+          </a:p>
+          <a:p>
+            <a:pPr lvl="0" marL="0" indent="0">
+              <a:buNone/>
+            </a:pPr>
+          </a:p>
+          <a:p>
+            <a:pPr lvl="0" marL="0" indent="0">
+              <a:buNone/>
+            </a:pPr>
+            <a:r>
+              <a:rPr/>
               <a:t>Here</a:t>
             </a:r>
             <a:r>
@@ -757,7 +776,15 @@
             </a:r>
             <a:r>
               <a:rPr/>
-              <a:t>what</a:t>
+              <a:t>the</a:t>
+            </a:r>
+            <a:r>
+              <a:rPr/>
+              <a:t> </a:t>
+            </a:r>
+            <a:r>
+              <a:rPr/>
+              <a:t>topics</a:t>
             </a:r>
             <a:r>
               <a:rPr/>
@@ -8107,7 +8134,7 @@
             </a:r>
             <a:r>
               <a:rPr/>
-              <a:t>bakc</a:t>
+              <a:t>back</a:t>
             </a:r>
             <a:r>
               <a:rPr/>
@@ -25639,7 +25666,7 @@
           <a:p>
             <a:fld id="{18BDFEC3-8487-43E8-A154-7C12CBC1FFF2}" type="slidenum">
               <a:rPr lang="en-US"/>
-              <a:t>51</a:t>
+              <a:t>52</a:t>
             </a:fld>
             <a:endParaRPr lang="en-US"/>
           </a:p>
@@ -25953,7 +25980,7 @@
           <a:p>
             <a:fld id="{18BDFEC3-8487-43E8-A154-7C12CBC1FFF2}" type="slidenum">
               <a:rPr lang="en-US"/>
-              <a:t>52</a:t>
+              <a:t>53</a:t>
             </a:fld>
             <a:endParaRPr lang="en-US"/>
           </a:p>
@@ -26083,7 +26110,7 @@
           <a:p>
             <a:fld id="{18BDFEC3-8487-43E8-A154-7C12CBC1FFF2}" type="slidenum">
               <a:rPr lang="en-US"/>
-              <a:t>53</a:t>
+              <a:t>54</a:t>
             </a:fld>
             <a:endParaRPr lang="en-US"/>
           </a:p>
@@ -26253,7 +26280,7 @@
           <a:p>
             <a:fld id="{18BDFEC3-8487-43E8-A154-7C12CBC1FFF2}" type="slidenum">
               <a:rPr lang="en-US"/>
-              <a:t>54</a:t>
+              <a:t>55</a:t>
             </a:fld>
             <a:endParaRPr lang="en-US"/>
           </a:p>
@@ -26767,7 +26794,7 @@
           <a:p>
             <a:fld id="{18BDFEC3-8487-43E8-A154-7C12CBC1FFF2}" type="slidenum">
               <a:rPr lang="en-US"/>
-              <a:t>55</a:t>
+              <a:t>56</a:t>
             </a:fld>
             <a:endParaRPr lang="en-US"/>
           </a:p>
@@ -26993,7 +27020,7 @@
           <a:p>
             <a:fld id="{18BDFEC3-8487-43E8-A154-7C12CBC1FFF2}" type="slidenum">
               <a:rPr lang="en-US"/>
-              <a:t>56</a:t>
+              <a:t>57</a:t>
             </a:fld>
             <a:endParaRPr lang="en-US"/>
           </a:p>
@@ -27427,7 +27454,7 @@
           <a:p>
             <a:fld id="{18BDFEC3-8487-43E8-A154-7C12CBC1FFF2}" type="slidenum">
               <a:rPr lang="en-US"/>
-              <a:t>57</a:t>
+              <a:t>58</a:t>
             </a:fld>
             <a:endParaRPr lang="en-US"/>
           </a:p>
@@ -27941,7 +27968,7 @@
           <a:p>
             <a:fld id="{18BDFEC3-8487-43E8-A154-7C12CBC1FFF2}" type="slidenum">
               <a:rPr lang="en-US"/>
-              <a:t>58</a:t>
+              <a:t>59</a:t>
             </a:fld>
             <a:endParaRPr lang="en-US"/>
           </a:p>
@@ -31005,607 +31032,15 @@
             </a:pPr>
             <a:r>
               <a:rPr/>
-              <a:t>Before</a:t>
-            </a:r>
-            <a:r>
-              <a:rPr/>
-              <a:t> </a:t>
-            </a:r>
-            <a:r>
-              <a:rPr/>
-              <a:t>I</a:t>
-            </a:r>
-            <a:r>
-              <a:rPr/>
-              <a:t> </a:t>
-            </a:r>
-            <a:r>
-              <a:rPr/>
-              <a:t>talk</a:t>
-            </a:r>
-            <a:r>
-              <a:rPr/>
-              <a:t> </a:t>
-            </a:r>
-            <a:r>
-              <a:rPr/>
-              <a:t>too</a:t>
-            </a:r>
-            <a:r>
-              <a:rPr/>
-              <a:t> </a:t>
-            </a:r>
-            <a:r>
-              <a:rPr/>
-              <a:t>much</a:t>
-            </a:r>
-            <a:r>
-              <a:rPr/>
-              <a:t> </a:t>
-            </a:r>
-            <a:r>
-              <a:rPr/>
-              <a:t>about</a:t>
-            </a:r>
-            <a:r>
-              <a:rPr/>
-              <a:t> </a:t>
-            </a:r>
-            <a:r>
-              <a:rPr/>
-              <a:t>this,</a:t>
-            </a:r>
-            <a:r>
-              <a:rPr/>
-              <a:t> </a:t>
-            </a:r>
-            <a:r>
-              <a:rPr/>
-              <a:t>let</a:t>
-            </a:r>
-            <a:r>
-              <a:rPr/>
-              <a:t> </a:t>
-            </a:r>
-            <a:r>
-              <a:rPr/>
-              <a:t>me</a:t>
-            </a:r>
-            <a:r>
-              <a:rPr/>
-              <a:t> </a:t>
-            </a:r>
-            <a:r>
-              <a:rPr/>
-              <a:t>share</a:t>
-            </a:r>
-            <a:r>
-              <a:rPr/>
-              <a:t> </a:t>
-            </a:r>
-            <a:r>
-              <a:rPr/>
-              <a:t>an</a:t>
-            </a:r>
-            <a:r>
-              <a:rPr/>
-              <a:t> </a:t>
-            </a:r>
-            <a:r>
-              <a:rPr/>
-              <a:t>anecdote.</a:t>
-            </a:r>
-            <a:r>
-              <a:rPr/>
-              <a:t> </a:t>
-            </a:r>
-            <a:r>
-              <a:rPr/>
-              <a:t>There</a:t>
-            </a:r>
-            <a:r>
-              <a:rPr/>
-              <a:t> </a:t>
-            </a:r>
-            <a:r>
-              <a:rPr/>
-              <a:t>was</a:t>
-            </a:r>
-            <a:r>
-              <a:rPr/>
-              <a:t> </a:t>
-            </a:r>
-            <a:r>
-              <a:rPr/>
-              <a:t>a</a:t>
-            </a:r>
-            <a:r>
-              <a:rPr/>
-              <a:t> </a:t>
-            </a:r>
-            <a:r>
-              <a:rPr/>
-              <a:t>working</a:t>
-            </a:r>
-            <a:r>
-              <a:rPr/>
-              <a:t> </a:t>
-            </a:r>
-            <a:r>
-              <a:rPr/>
-              <a:t>group</a:t>
-            </a:r>
-            <a:r>
-              <a:rPr/>
-              <a:t> </a:t>
-            </a:r>
-            <a:r>
-              <a:rPr/>
-              <a:t>of</a:t>
-            </a:r>
-            <a:r>
-              <a:rPr/>
-              <a:t> </a:t>
-            </a:r>
-            <a:r>
-              <a:rPr/>
-              <a:t>writers</a:t>
-            </a:r>
-            <a:r>
-              <a:rPr/>
-              <a:t> </a:t>
-            </a:r>
-            <a:r>
-              <a:rPr/>
-              <a:t>called</a:t>
-            </a:r>
-            <a:r>
-              <a:rPr/>
-              <a:t> </a:t>
-            </a:r>
-            <a:r>
-              <a:rPr/>
-              <a:t>The</a:t>
-            </a:r>
-            <a:r>
-              <a:rPr/>
-              <a:t> </a:t>
-            </a:r>
-            <a:r>
-              <a:rPr/>
-              <a:t>Writer’s</a:t>
-            </a:r>
-            <a:r>
-              <a:rPr/>
-              <a:t> </a:t>
-            </a:r>
-            <a:r>
-              <a:rPr/>
-              <a:t>Exchange,</a:t>
-            </a:r>
-            <a:r>
-              <a:rPr/>
-              <a:t> </a:t>
-            </a:r>
-            <a:r>
-              <a:rPr/>
-              <a:t>and</a:t>
-            </a:r>
-            <a:r>
-              <a:rPr/>
-              <a:t> </a:t>
-            </a:r>
-            <a:r>
-              <a:rPr/>
-              <a:t>in</a:t>
-            </a:r>
-            <a:r>
-              <a:rPr/>
-              <a:t> </a:t>
-            </a:r>
-            <a:r>
-              <a:rPr/>
-              <a:t>the</a:t>
-            </a:r>
-            <a:r>
-              <a:rPr/>
-              <a:t> </a:t>
-            </a:r>
-            <a:r>
-              <a:rPr/>
-              <a:t>early</a:t>
-            </a:r>
-            <a:r>
-              <a:rPr/>
-              <a:t> </a:t>
-            </a:r>
-            <a:r>
-              <a:rPr/>
-              <a:t>years</a:t>
-            </a:r>
-            <a:r>
-              <a:rPr/>
-              <a:t> </a:t>
-            </a:r>
-            <a:r>
-              <a:rPr/>
-              <a:t>of</a:t>
-            </a:r>
-            <a:r>
-              <a:rPr/>
-              <a:t> </a:t>
-            </a:r>
-            <a:r>
-              <a:rPr/>
-              <a:t>the</a:t>
-            </a:r>
-            <a:r>
-              <a:rPr/>
-              <a:t> </a:t>
-            </a:r>
-            <a:r>
-              <a:rPr/>
-              <a:t>Internet,</a:t>
-            </a:r>
-            <a:r>
-              <a:rPr/>
-              <a:t> </a:t>
-            </a:r>
-            <a:r>
-              <a:rPr/>
-              <a:t>they</a:t>
-            </a:r>
-            <a:r>
-              <a:rPr/>
-              <a:t> </a:t>
-            </a:r>
-            <a:r>
-              <a:rPr/>
-              <a:t>decided</a:t>
-            </a:r>
-            <a:r>
-              <a:rPr/>
-              <a:t> </a:t>
-            </a:r>
-            <a:r>
-              <a:rPr/>
-              <a:t>to</a:t>
-            </a:r>
-            <a:r>
-              <a:rPr/>
-              <a:t> </a:t>
-            </a:r>
-            <a:r>
-              <a:rPr/>
-              <a:t>create</a:t>
-            </a:r>
-            <a:r>
-              <a:rPr/>
-              <a:t> </a:t>
-            </a:r>
-            <a:r>
-              <a:rPr/>
-              <a:t>a</a:t>
-            </a:r>
-            <a:r>
-              <a:rPr/>
-              <a:t> </a:t>
-            </a:r>
-            <a:r>
-              <a:rPr/>
-              <a:t>website:</a:t>
-            </a:r>
-            <a:r>
-              <a:rPr/>
-              <a:t> </a:t>
-            </a:r>
-            <a:r>
-              <a:rPr/>
-              <a:t>www.writersexchage.com</a:t>
-            </a:r>
-            <a:r>
-              <a:rPr/>
-              <a:t> </a:t>
-            </a:r>
-            <a:r>
-              <a:rPr/>
-              <a:t>with</a:t>
-            </a:r>
-            <a:r>
-              <a:rPr/>
-              <a:t> </a:t>
-            </a:r>
-            <a:r>
-              <a:rPr/>
-              <a:t>no</a:t>
-            </a:r>
-            <a:r>
-              <a:rPr/>
-              <a:t> </a:t>
-            </a:r>
-            <a:r>
-              <a:rPr/>
-              <a:t>space,</a:t>
-            </a:r>
-            <a:r>
-              <a:rPr/>
-              <a:t> </a:t>
-            </a:r>
-            <a:r>
-              <a:rPr/>
-              <a:t>of</a:t>
-            </a:r>
-            <a:r>
-              <a:rPr/>
-              <a:t> </a:t>
-            </a:r>
-            <a:r>
-              <a:rPr/>
-              <a:t>course</a:t>
-            </a:r>
-            <a:r>
-              <a:rPr/>
-              <a:t> </a:t>
-            </a:r>
-            <a:r>
-              <a:rPr/>
-              <a:t>between</a:t>
-            </a:r>
-            <a:r>
-              <a:rPr/>
-              <a:t> </a:t>
-            </a:r>
-            <a:r>
-              <a:rPr/>
-              <a:t>writers</a:t>
-            </a:r>
-            <a:r>
-              <a:rPr/>
-              <a:t> </a:t>
-            </a:r>
-            <a:r>
-              <a:rPr/>
-              <a:t>and</a:t>
-            </a:r>
-            <a:r>
-              <a:rPr/>
-              <a:t> </a:t>
-            </a:r>
-            <a:r>
-              <a:rPr/>
-              <a:t>exchange</a:t>
-            </a:r>
-            <a:r>
-              <a:rPr/>
-              <a:t> </a:t>
-            </a:r>
-            <a:r>
-              <a:rPr/>
-              <a:t>because</a:t>
-            </a:r>
-            <a:r>
-              <a:rPr/>
-              <a:t> </a:t>
-            </a:r>
-            <a:r>
-              <a:rPr/>
-              <a:t>the</a:t>
-            </a:r>
-            <a:r>
-              <a:rPr/>
-              <a:t> </a:t>
-            </a:r>
-            <a:r>
-              <a:rPr/>
-              <a:t>Internet</a:t>
-            </a:r>
-            <a:r>
-              <a:rPr/>
-              <a:t> </a:t>
-            </a:r>
-            <a:r>
-              <a:rPr/>
-              <a:t>is</a:t>
-            </a:r>
-            <a:r>
-              <a:rPr/>
-              <a:t> </a:t>
-            </a:r>
-            <a:r>
-              <a:rPr/>
-              <a:t>not</a:t>
-            </a:r>
-            <a:r>
-              <a:rPr/>
-              <a:t> </a:t>
-            </a:r>
-            <a:r>
-              <a:rPr/>
-              <a:t>to</a:t>
-            </a:r>
-            <a:r>
-              <a:rPr/>
-              <a:t> </a:t>
-            </a:r>
-            <a:r>
-              <a:rPr/>
-              <a:t>fond</a:t>
-            </a:r>
-            <a:r>
-              <a:rPr/>
-              <a:t> </a:t>
-            </a:r>
-            <a:r>
-              <a:rPr/>
-              <a:t>of</a:t>
-            </a:r>
-            <a:r>
-              <a:rPr/>
-              <a:t> </a:t>
-            </a:r>
-            <a:r>
-              <a:rPr/>
-              <a:t>spaces</a:t>
-            </a:r>
-            <a:r>
-              <a:rPr/>
-              <a:t> </a:t>
-            </a:r>
-            <a:r>
-              <a:rPr/>
-              <a:t>in</a:t>
-            </a:r>
-            <a:r>
-              <a:rPr/>
-              <a:t> </a:t>
-            </a:r>
-            <a:r>
-              <a:rPr/>
-              <a:t>domain</a:t>
-            </a:r>
-            <a:r>
-              <a:rPr/>
-              <a:t> </a:t>
-            </a:r>
-            <a:r>
-              <a:rPr/>
-              <a:t>names.</a:t>
-            </a:r>
-            <a:r>
-              <a:rPr/>
-              <a:t> </a:t>
-            </a:r>
-            <a:r>
-              <a:rPr/>
-              <a:t>It</a:t>
-            </a:r>
-            <a:r>
-              <a:rPr/>
-              <a:t> </a:t>
-            </a:r>
-            <a:r>
-              <a:rPr/>
-              <a:t>sounded</a:t>
-            </a:r>
-            <a:r>
-              <a:rPr/>
-              <a:t> </a:t>
-            </a:r>
-            <a:r>
-              <a:rPr/>
-              <a:t>like</a:t>
-            </a:r>
-            <a:r>
-              <a:rPr/>
-              <a:t> </a:t>
-            </a:r>
-            <a:r>
-              <a:rPr/>
-              <a:t>a</a:t>
-            </a:r>
-            <a:r>
-              <a:rPr/>
-              <a:t> </a:t>
-            </a:r>
-            <a:r>
-              <a:rPr/>
-              <a:t>natural</a:t>
-            </a:r>
-            <a:r>
-              <a:rPr/>
-              <a:t> </a:t>
-            </a:r>
-            <a:r>
-              <a:rPr/>
-              <a:t>web</a:t>
-            </a:r>
-            <a:r>
-              <a:rPr/>
-              <a:t> </a:t>
-            </a:r>
-            <a:r>
-              <a:rPr/>
-              <a:t>site</a:t>
-            </a:r>
-            <a:r>
-              <a:rPr/>
-              <a:t> </a:t>
-            </a:r>
-            <a:r>
-              <a:rPr/>
-              <a:t>address</a:t>
-            </a:r>
-            <a:r>
-              <a:rPr/>
-              <a:t> </a:t>
-            </a:r>
-            <a:r>
-              <a:rPr/>
-              <a:t>to</a:t>
-            </a:r>
-            <a:r>
-              <a:rPr/>
-              <a:t> </a:t>
-            </a:r>
-            <a:r>
-              <a:rPr/>
-              <a:t>use,</a:t>
-            </a:r>
-            <a:r>
-              <a:rPr/>
-              <a:t> </a:t>
-            </a:r>
-            <a:r>
-              <a:rPr/>
-              <a:t>but</a:t>
-            </a:r>
-            <a:r>
-              <a:rPr/>
-              <a:t> </a:t>
-            </a:r>
-            <a:r>
-              <a:rPr/>
-              <a:t>then</a:t>
-            </a:r>
-            <a:r>
-              <a:rPr/>
-              <a:t> </a:t>
-            </a:r>
-            <a:r>
-              <a:rPr/>
-              <a:t>someone</a:t>
-            </a:r>
-            <a:r>
-              <a:rPr/>
-              <a:t> </a:t>
-            </a:r>
-            <a:r>
-              <a:rPr/>
-              <a:t>noticed</a:t>
-            </a:r>
-            <a:r>
-              <a:rPr/>
-              <a:t> </a:t>
-            </a:r>
-            <a:r>
-              <a:rPr/>
-              <a:t>something</a:t>
-            </a:r>
-            <a:r>
-              <a:rPr/>
-              <a:t> </a:t>
-            </a:r>
-            <a:r>
-              <a:rPr/>
-              <a:t>unfortunate.</a:t>
-            </a:r>
-            <a:r>
-              <a:rPr/>
-              <a:t> </a:t>
-            </a:r>
-            <a:r>
-              <a:rPr/>
-              <a:t>When</a:t>
+              <a:t>Here’s</a:t>
+            </a:r>
+            <a:r>
+              <a:rPr/>
+              <a:t> </a:t>
+            </a:r>
+            <a:r>
+              <a:rPr/>
+              <a:t>how</a:t>
             </a:r>
             <a:r>
               <a:rPr/>
@@ -31621,62 +31056,6 @@
             </a:r>
             <a:r>
               <a:rPr/>
-              <a:t>run</a:t>
-            </a:r>
-            <a:r>
-              <a:rPr/>
-              <a:t> </a:t>
-            </a:r>
-            <a:r>
-              <a:rPr/>
-              <a:t>the</a:t>
-            </a:r>
-            <a:r>
-              <a:rPr/>
-              <a:t> </a:t>
-            </a:r>
-            <a:r>
-              <a:rPr/>
-              <a:t>words</a:t>
-            </a:r>
-            <a:r>
-              <a:rPr/>
-              <a:t> </a:t>
-            </a:r>
-            <a:r>
-              <a:rPr/>
-              <a:t>writers</a:t>
-            </a:r>
-            <a:r>
-              <a:rPr/>
-              <a:t> </a:t>
-            </a:r>
-            <a:r>
-              <a:rPr/>
-              <a:t>exchange</a:t>
-            </a:r>
-            <a:r>
-              <a:rPr/>
-              <a:t> </a:t>
-            </a:r>
-            <a:r>
-              <a:rPr/>
-              <a:t>together,</a:t>
-            </a:r>
-            <a:r>
-              <a:rPr/>
-              <a:t> </a:t>
-            </a:r>
-            <a:r>
-              <a:rPr/>
-              <a:t>it</a:t>
-            </a:r>
-            <a:r>
-              <a:rPr/>
-              <a:t> </a:t>
-            </a:r>
-            <a:r>
-              <a:rPr/>
               <a:t>can</a:t>
             </a:r>
             <a:r>
@@ -31685,303 +31064,47 @@
             </a:r>
             <a:r>
               <a:rPr/>
-              <a:t>also</a:t>
-            </a:r>
-            <a:r>
-              <a:rPr/>
-              <a:t> </a:t>
-            </a:r>
-            <a:r>
-              <a:rPr/>
-              <a:t>be</a:t>
-            </a:r>
-            <a:r>
-              <a:rPr/>
-              <a:t> </a:t>
-            </a:r>
-            <a:r>
-              <a:rPr/>
-              <a:t>read</a:t>
-            </a:r>
-            <a:r>
-              <a:rPr/>
-              <a:t> </a:t>
-            </a:r>
-            <a:r>
-              <a:rPr/>
-              <a:t>as</a:t>
-            </a:r>
-            <a:r>
-              <a:rPr/>
-              <a:t> </a:t>
-            </a:r>
-            <a:r>
-              <a:rPr/>
-              <a:t>three</a:t>
-            </a:r>
-            <a:r>
-              <a:rPr/>
-              <a:t> </a:t>
-            </a:r>
-            <a:r>
-              <a:rPr/>
-              <a:t>words:</a:t>
-            </a:r>
-            <a:r>
-              <a:rPr/>
-              <a:t> </a:t>
-            </a:r>
-            <a:r>
-              <a:rPr/>
-              <a:t>writer</a:t>
-            </a:r>
-            <a:r>
-              <a:rPr/>
-              <a:t> </a:t>
-            </a:r>
-            <a:r>
-              <a:rPr/>
-              <a:t>sex</a:t>
-            </a:r>
-            <a:r>
-              <a:rPr/>
-              <a:t> </a:t>
-            </a:r>
-            <a:r>
-              <a:rPr/>
-              <a:t>change.</a:t>
-            </a:r>
-            <a:r>
-              <a:rPr/>
-              <a:t> </a:t>
-            </a:r>
-            <a:r>
-              <a:rPr/>
-              <a:t>So</a:t>
-            </a:r>
-            <a:r>
-              <a:rPr/>
-              <a:t> </a:t>
-            </a:r>
-            <a:r>
-              <a:rPr/>
-              <a:t>you</a:t>
-            </a:r>
-            <a:r>
-              <a:rPr/>
-              <a:t> </a:t>
-            </a:r>
-            <a:r>
-              <a:rPr/>
-              <a:t>need</a:t>
-            </a:r>
-            <a:r>
-              <a:rPr/>
-              <a:t> </a:t>
-            </a:r>
-            <a:r>
-              <a:rPr/>
-              <a:t>to</a:t>
-            </a:r>
-            <a:r>
-              <a:rPr/>
-              <a:t> </a:t>
-            </a:r>
-            <a:r>
-              <a:rPr/>
-              <a:t>be</a:t>
-            </a:r>
-            <a:r>
-              <a:rPr/>
-              <a:t> </a:t>
-            </a:r>
-            <a:r>
-              <a:rPr/>
-              <a:t>careful</a:t>
-            </a:r>
-            <a:r>
-              <a:rPr/>
-              <a:t> </a:t>
-            </a:r>
-            <a:r>
-              <a:rPr/>
-              <a:t>that</a:t>
-            </a:r>
-            <a:r>
-              <a:rPr/>
-              <a:t> </a:t>
-            </a:r>
-            <a:r>
-              <a:rPr/>
-              <a:t>your</a:t>
-            </a:r>
-            <a:r>
-              <a:rPr/>
-              <a:t> </a:t>
-            </a:r>
-            <a:r>
-              <a:rPr/>
-              <a:t>variable</a:t>
-            </a:r>
-            <a:r>
-              <a:rPr/>
-              <a:t> </a:t>
-            </a:r>
-            <a:r>
-              <a:rPr/>
-              <a:t>names</a:t>
-            </a:r>
-            <a:r>
-              <a:rPr/>
-              <a:t> </a:t>
-            </a:r>
-            <a:r>
-              <a:rPr/>
-              <a:t>are</a:t>
-            </a:r>
-            <a:r>
-              <a:rPr/>
-              <a:t> </a:t>
-            </a:r>
-            <a:r>
-              <a:rPr/>
-              <a:t>not</a:t>
-            </a:r>
-            <a:r>
-              <a:rPr/>
-              <a:t> </a:t>
-            </a:r>
-            <a:r>
-              <a:rPr/>
-              <a:t>so</a:t>
-            </a:r>
-            <a:r>
-              <a:rPr/>
-              <a:t> </a:t>
-            </a:r>
-            <a:r>
-              <a:rPr/>
-              <a:t>easily</a:t>
-            </a:r>
-            <a:r>
-              <a:rPr/>
-              <a:t> </a:t>
-            </a:r>
-            <a:r>
-              <a:rPr/>
-              <a:t>misconstrued</a:t>
-            </a:r>
-            <a:r>
-              <a:rPr/>
-              <a:t> </a:t>
-            </a:r>
-            <a:r>
-              <a:rPr/>
-              <a:t>when</a:t>
-            </a:r>
-            <a:r>
-              <a:rPr/>
-              <a:t> </a:t>
-            </a:r>
-            <a:r>
-              <a:rPr/>
-              <a:t>you</a:t>
-            </a:r>
-            <a:r>
-              <a:rPr/>
-              <a:t> </a:t>
-            </a:r>
-            <a:r>
-              <a:rPr/>
-              <a:t>run</a:t>
-            </a:r>
-            <a:r>
-              <a:rPr/>
-              <a:t> </a:t>
-            </a:r>
-            <a:r>
-              <a:rPr/>
-              <a:t>two</a:t>
-            </a:r>
-            <a:r>
-              <a:rPr/>
-              <a:t> </a:t>
-            </a:r>
-            <a:r>
-              <a:rPr/>
-              <a:t>or</a:t>
-            </a:r>
-            <a:r>
-              <a:rPr/>
-              <a:t> </a:t>
-            </a:r>
-            <a:r>
-              <a:rPr/>
-              <a:t>more</a:t>
-            </a:r>
-            <a:r>
-              <a:rPr/>
-              <a:t> </a:t>
-            </a:r>
-            <a:r>
-              <a:rPr/>
-              <a:t>words</a:t>
-            </a:r>
-            <a:r>
-              <a:rPr/>
-              <a:t> </a:t>
-            </a:r>
-            <a:r>
-              <a:rPr/>
-              <a:t>together</a:t>
-            </a:r>
-            <a:r>
-              <a:rPr/>
-              <a:t> </a:t>
-            </a:r>
-            <a:r>
-              <a:rPr/>
-              <a:t>to</a:t>
-            </a:r>
-            <a:r>
-              <a:rPr/>
-              <a:t> </a:t>
-            </a:r>
-            <a:r>
-              <a:rPr/>
-              <a:t>get</a:t>
-            </a:r>
-            <a:r>
-              <a:rPr/>
-              <a:t> </a:t>
-            </a:r>
-            <a:r>
-              <a:rPr/>
-              <a:t>a</a:t>
-            </a:r>
-            <a:r>
-              <a:rPr/>
-              <a:t> </a:t>
-            </a:r>
-            <a:r>
-              <a:rPr/>
-              <a:t>single</a:t>
-            </a:r>
-            <a:r>
-              <a:rPr/>
-              <a:t> </a:t>
-            </a:r>
-            <a:r>
-              <a:rPr/>
-              <a:t>variable</a:t>
-            </a:r>
-            <a:r>
-              <a:rPr/>
-              <a:t> </a:t>
-            </a:r>
-            <a:r>
-              <a:rPr/>
-              <a:t>name.</a:t>
+              <a:t>simulate</a:t>
+            </a:r>
+            <a:r>
+              <a:rPr/>
+              <a:t> </a:t>
+            </a:r>
+            <a:r>
+              <a:rPr/>
+              <a:t>blanks</a:t>
+            </a:r>
+            <a:r>
+              <a:rPr/>
+              <a:t> </a:t>
+            </a:r>
+            <a:r>
+              <a:rPr/>
+              <a:t>without</a:t>
+            </a:r>
+            <a:r>
+              <a:rPr/>
+              <a:t> </a:t>
+            </a:r>
+            <a:r>
+              <a:rPr/>
+              <a:t>actually</a:t>
+            </a:r>
+            <a:r>
+              <a:rPr/>
+              <a:t> </a:t>
+            </a:r>
+            <a:r>
+              <a:rPr/>
+              <a:t>using</a:t>
+            </a:r>
+            <a:r>
+              <a:rPr/>
+              <a:t> </a:t>
+            </a:r>
+            <a:r>
+              <a:rPr/>
+              <a:t>blanks.</a:t>
             </a:r>
           </a:p>
           <a:p>
@@ -31990,20 +31113,166 @@
             </a:pPr>
           </a:p>
           <a:p>
+            <a:pPr lvl="1"/>
+            <a:r>
+              <a:rPr/>
+              <a:t>the</a:t>
+            </a:r>
+            <a:r>
+              <a:rPr/>
+              <a:t> </a:t>
+            </a:r>
+            <a:r>
+              <a:rPr/>
+              <a:t>underscore</a:t>
+            </a:r>
+            <a:r>
+              <a:rPr/>
+              <a:t> </a:t>
+            </a:r>
+            <a:r>
+              <a:rPr/>
+              <a:t>symbol</a:t>
+            </a:r>
+            <a:r>
+              <a:rPr/>
+              <a:t> </a:t>
+            </a:r>
+            <a:r>
+              <a:rPr/>
+              <a:t>(above</a:t>
+            </a:r>
+            <a:r>
+              <a:rPr/>
+              <a:t> </a:t>
+            </a:r>
+            <a:r>
+              <a:rPr/>
+              <a:t>the</a:t>
+            </a:r>
+            <a:r>
+              <a:rPr/>
+              <a:t> </a:t>
+            </a:r>
+            <a:r>
+              <a:rPr/>
+              <a:t>minus</a:t>
+            </a:r>
+            <a:r>
+              <a:rPr/>
+              <a:t> </a:t>
+            </a:r>
+            <a:r>
+              <a:rPr/>
+              <a:t>key</a:t>
+            </a:r>
+            <a:r>
+              <a:rPr/>
+              <a:t> </a:t>
+            </a:r>
+            <a:r>
+              <a:rPr/>
+              <a:t>on</a:t>
+            </a:r>
+            <a:r>
+              <a:rPr/>
+              <a:t> </a:t>
+            </a:r>
+            <a:r>
+              <a:rPr/>
+              <a:t>most</a:t>
+            </a:r>
+            <a:r>
+              <a:rPr/>
+              <a:t> </a:t>
+            </a:r>
+            <a:r>
+              <a:rPr/>
+              <a:t>keyboards)</a:t>
+            </a:r>
+            <a:r>
+              <a:rPr/>
+              <a:t> </a:t>
+            </a:r>
+            <a:r>
+              <a:rPr/>
+              <a:t>and</a:t>
+            </a:r>
+          </a:p>
+          <a:p>
             <a:pPr lvl="0" marL="0" indent="0">
               <a:buNone/>
             </a:pPr>
-            <a:r>
-              <a:rPr/>
-              <a:t>Here’s</a:t>
-            </a:r>
-            <a:r>
-              <a:rPr/>
-              <a:t> </a:t>
-            </a:r>
-            <a:r>
-              <a:rPr/>
-              <a:t>how</a:t>
+          </a:p>
+          <a:p>
+            <a:pPr lvl="1"/>
+            <a:r>
+              <a:rPr/>
+              <a:t>the</a:t>
+            </a:r>
+            <a:r>
+              <a:rPr/>
+              <a:t> </a:t>
+            </a:r>
+            <a:r>
+              <a:rPr/>
+              <a:t>dot</a:t>
+            </a:r>
+            <a:r>
+              <a:rPr/>
+              <a:t> </a:t>
+            </a:r>
+            <a:r>
+              <a:rPr/>
+              <a:t>(period).</a:t>
+            </a:r>
+            <a:r>
+              <a:rPr/>
+              <a:t> </a:t>
+            </a:r>
+            <a:r>
+              <a:rPr/>
+              <a:t>(Note</a:t>
+            </a:r>
+            <a:r>
+              <a:rPr/>
+              <a:t> </a:t>
+            </a:r>
+            <a:r>
+              <a:rPr/>
+              <a:t>that</a:t>
+            </a:r>
+            <a:r>
+              <a:rPr/>
+              <a:t> </a:t>
+            </a:r>
+            <a:r>
+              <a:rPr/>
+              <a:t>SAS</a:t>
+            </a:r>
+            <a:r>
+              <a:rPr/>
+              <a:t> </a:t>
+            </a:r>
+            <a:r>
+              <a:rPr/>
+              <a:t>does</a:t>
+            </a:r>
+            <a:r>
+              <a:rPr/>
+              <a:t> </a:t>
+            </a:r>
+            <a:r>
+              <a:rPr/>
+              <a:t>not</a:t>
+            </a:r>
+            <a:r>
+              <a:rPr/>
+              <a:t> </a:t>
+            </a:r>
+            <a:r>
+              <a:rPr/>
+              <a:t>allow</a:t>
             </a:r>
             <a:r>
               <a:rPr/>
@@ -32019,64 +31288,20 @@
             </a:r>
             <a:r>
               <a:rPr/>
-              <a:t>can</a:t>
-            </a:r>
-            <a:r>
-              <a:rPr/>
-              <a:t> </a:t>
-            </a:r>
-            <a:r>
-              <a:rPr/>
-              <a:t>simulate</a:t>
-            </a:r>
-            <a:r>
-              <a:rPr/>
-              <a:t> </a:t>
-            </a:r>
-            <a:r>
-              <a:rPr/>
-              <a:t>blanks</a:t>
-            </a:r>
-            <a:r>
-              <a:rPr/>
-              <a:t> </a:t>
-            </a:r>
-            <a:r>
-              <a:rPr/>
-              <a:t>without</a:t>
-            </a:r>
-            <a:r>
-              <a:rPr/>
-              <a:t> </a:t>
-            </a:r>
-            <a:r>
-              <a:rPr/>
-              <a:t>actually</a:t>
-            </a:r>
-            <a:r>
-              <a:rPr/>
-              <a:t> </a:t>
-            </a:r>
-            <a:r>
-              <a:rPr/>
-              <a:t>using</a:t>
-            </a:r>
-            <a:r>
-              <a:rPr/>
-              <a:t> </a:t>
-            </a:r>
-            <a:r>
-              <a:rPr/>
-              <a:t>blanks.</a:t>
-            </a:r>
-          </a:p>
-          <a:p>
-            <a:pPr lvl="0" marL="0" indent="0">
-              <a:buNone/>
-            </a:pPr>
-          </a:p>
-          <a:p>
-            <a:pPr lvl="1"/>
+              <a:t>to</a:t>
+            </a:r>
+            <a:r>
+              <a:rPr/>
+              <a:t> </a:t>
+            </a:r>
+            <a:r>
+              <a:rPr/>
+              <a:t>use</a:t>
+            </a:r>
+            <a:r>
+              <a:rPr/>
+              <a:t> </a:t>
+            </a:r>
             <a:r>
               <a:rPr/>
               <a:t>the</a:t>
@@ -32087,195 +31312,7 @@
             </a:r>
             <a:r>
               <a:rPr/>
-              <a:t>underscore</a:t>
-            </a:r>
-            <a:r>
-              <a:rPr/>
-              <a:t> </a:t>
-            </a:r>
-            <a:r>
-              <a:rPr/>
-              <a:t>symbol</a:t>
-            </a:r>
-            <a:r>
-              <a:rPr/>
-              <a:t> </a:t>
-            </a:r>
-            <a:r>
-              <a:rPr/>
-              <a:t>(above</a:t>
-            </a:r>
-            <a:r>
-              <a:rPr/>
-              <a:t> </a:t>
-            </a:r>
-            <a:r>
-              <a:rPr/>
-              <a:t>the</a:t>
-            </a:r>
-            <a:r>
-              <a:rPr/>
-              <a:t> </a:t>
-            </a:r>
-            <a:r>
-              <a:rPr/>
-              <a:t>minus</a:t>
-            </a:r>
-            <a:r>
-              <a:rPr/>
-              <a:t> </a:t>
-            </a:r>
-            <a:r>
-              <a:rPr/>
-              <a:t>key</a:t>
-            </a:r>
-            <a:r>
-              <a:rPr/>
-              <a:t> </a:t>
-            </a:r>
-            <a:r>
-              <a:rPr/>
-              <a:t>on</a:t>
-            </a:r>
-            <a:r>
-              <a:rPr/>
-              <a:t> </a:t>
-            </a:r>
-            <a:r>
-              <a:rPr/>
-              <a:t>most</a:t>
-            </a:r>
-            <a:r>
-              <a:rPr/>
-              <a:t> </a:t>
-            </a:r>
-            <a:r>
-              <a:rPr/>
-              <a:t>keyboards)</a:t>
-            </a:r>
-            <a:r>
-              <a:rPr/>
-              <a:t> </a:t>
-            </a:r>
-            <a:r>
-              <a:rPr/>
-              <a:t>and</a:t>
-            </a:r>
-          </a:p>
-          <a:p>
-            <a:pPr lvl="0" marL="0" indent="0">
-              <a:buNone/>
-            </a:pPr>
-          </a:p>
-          <a:p>
-            <a:pPr lvl="1"/>
-            <a:r>
-              <a:rPr/>
-              <a:t>the</a:t>
-            </a:r>
-            <a:r>
-              <a:rPr/>
-              <a:t> </a:t>
-            </a:r>
-            <a:r>
-              <a:rPr/>
-              <a:t>dot</a:t>
-            </a:r>
-            <a:r>
-              <a:rPr/>
-              <a:t> </a:t>
-            </a:r>
-            <a:r>
-              <a:rPr/>
-              <a:t>(period).</a:t>
-            </a:r>
-            <a:r>
-              <a:rPr/>
-              <a:t> </a:t>
-            </a:r>
-            <a:r>
-              <a:rPr/>
-              <a:t>(Note</a:t>
-            </a:r>
-            <a:r>
-              <a:rPr/>
-              <a:t> </a:t>
-            </a:r>
-            <a:r>
-              <a:rPr/>
-              <a:t>that</a:t>
-            </a:r>
-            <a:r>
-              <a:rPr/>
-              <a:t> </a:t>
-            </a:r>
-            <a:r>
-              <a:rPr/>
-              <a:t>SAS</a:t>
-            </a:r>
-            <a:r>
-              <a:rPr/>
-              <a:t> </a:t>
-            </a:r>
-            <a:r>
-              <a:rPr/>
-              <a:t>does</a:t>
-            </a:r>
-            <a:r>
-              <a:rPr/>
-              <a:t> </a:t>
-            </a:r>
-            <a:r>
-              <a:rPr/>
-              <a:t>not</a:t>
-            </a:r>
-            <a:r>
-              <a:rPr/>
-              <a:t> </a:t>
-            </a:r>
-            <a:r>
-              <a:rPr/>
-              <a:t>allow</a:t>
-            </a:r>
-            <a:r>
-              <a:rPr/>
-              <a:t> </a:t>
-            </a:r>
-            <a:r>
-              <a:rPr/>
-              <a:t>you</a:t>
-            </a:r>
-            <a:r>
-              <a:rPr/>
-              <a:t> </a:t>
-            </a:r>
-            <a:r>
-              <a:rPr/>
-              <a:t>to</a:t>
-            </a:r>
-            <a:r>
-              <a:rPr/>
-              <a:t> </a:t>
-            </a:r>
-            <a:r>
-              <a:rPr/>
-              <a:t>use</a:t>
-            </a:r>
-            <a:r>
-              <a:rPr/>
-              <a:t> </a:t>
-            </a:r>
-            <a:r>
-              <a:rPr/>
-              <a:t>the</a:t>
-            </a:r>
-            <a:r>
-              <a:rPr/>
-              <a:t> </a:t>
-            </a:r>
-            <a:r>
-              <a:rPr/>
-              <a:t>perior</a:t>
+              <a:t>period</a:t>
             </a:r>
             <a:r>
               <a:rPr/>
@@ -36461,7 +35498,8 @@
               <a:rPr sz="1800">
                 <a:latin typeface="Courier"/>
               </a:rPr>
-              <a:t>  label
+              <a:t>* Part02. Add variable labels;
+  label
     case="Case number"
     fat_brozek="Percentage body fat using Brozek's equation, 457/Density - 414.2"
     fat_siri="Percent body fat using Siri's equation, 495/Density - 450"
@@ -36469,8 +35507,6 @@
     age="Age (yrs)"
     wt="Weight (lbs)"
     ht="Height (inches)"
-    bmi="Adiposity index = Weight/Height^2 (kg/m^2)"
-    ffw="Fat Free Weight = (1 - fraction of body fat) * Weight using Brozek's formula (lbs)"
 ...</a:t>
             </a:r>
           </a:p>
@@ -36571,7 +35607,7 @@
               </a:rPr>
               <a:t>...
     neck="Neck circumference (cm)"
-    chest="+ SimplChest circumference (cm)"
+    chest="Chest circumference (cm)"
     abdomen="Abdomen circumference (cm) at the umbilicus and level with the iliac crest"
     hip="Hip circumference (cm)"
     thigh="Thigh circumference (cm)"
@@ -36680,7 +35716,7 @@
               <a:rPr sz="1800">
                 <a:latin typeface="Courier"/>
               </a:rPr>
-              <a:t>* Print a small piece of the data;
+              <a:t>* Part03. Print a small piece of the data;
 proc print
     data=intro.fat(obs=10);
   var case fat_brozek fat_siri dens age;
@@ -37036,7 +36072,7 @@
               <a:rPr sz="1800">
                 <a:latin typeface="Courier"/>
               </a:rPr>
-              <a:t>* Calculate simple statistics for ht;
+              <a:t>* Part04. Calculate simple statistics for ht;
 proc means
     n mean std min max
     data=intro.fat;
@@ -37113,42 +36149,28 @@
             <a:pPr lvl="1"/>
             <a:r>
               <a:rPr/>
-              <a:t>Rules for variable names</a:t>
+              <a:t>Using variable labels</a:t>
             </a:r>
           </a:p>
           <a:p>
             <a:pPr lvl="1"/>
             <a:r>
               <a:rPr/>
-              <a:t>Using variable labels</a:t>
+              <a:t>Printing a small piece of data</a:t>
             </a:r>
           </a:p>
           <a:p>
             <a:pPr lvl="1"/>
             <a:r>
               <a:rPr/>
-              <a:t>Printing a small piece of data</a:t>
+              <a:t>Simple descriptive statistics</a:t>
             </a:r>
           </a:p>
           <a:p>
             <a:pPr lvl="1"/>
             <a:r>
               <a:rPr/>
-              <a:t>Simple descriptive statistics</a:t>
-            </a:r>
-          </a:p>
-          <a:p>
-            <a:pPr lvl="1"/>
-            <a:r>
-              <a:rPr/>
               <a:t>Printing row with smallest/largest value</a:t>
-            </a:r>
-          </a:p>
-          <a:p>
-            <a:pPr lvl="1"/>
-            <a:r>
-              <a:rPr/>
-              <a:t>Handling outliers</a:t>
             </a:r>
           </a:p>
           <a:p>
@@ -37385,15 +36407,31 @@
             </a:r>
             <a:r>
               <a:rPr/>
-              <a:t>proc</a:t>
-            </a:r>
-            <a:r>
-              <a:rPr/>
-              <a:t> </a:t>
-            </a:r>
-            <a:r>
-              <a:rPr/>
-              <a:t>means</a:t>
+              <a:t>print</a:t>
+            </a:r>
+            <a:r>
+              <a:rPr/>
+              <a:t> </a:t>
+            </a:r>
+            <a:r>
+              <a:rPr/>
+              <a:t>the</a:t>
+            </a:r>
+            <a:r>
+              <a:rPr/>
+              <a:t> </a:t>
+            </a:r>
+            <a:r>
+              <a:rPr/>
+              <a:t>smallest</a:t>
+            </a:r>
+            <a:r>
+              <a:rPr/>
+              <a:t> </a:t>
+            </a:r>
+            <a:r>
+              <a:rPr/>
+              <a:t>value</a:t>
             </a:r>
           </a:p>
         </p:txBody>
@@ -37420,7 +36458,7 @@
               <a:rPr sz="1800">
                 <a:latin typeface="Courier"/>
               </a:rPr>
-              <a:t>* Look at smallest value;
+              <a:t>* Part05. Look at smallest value;
 proc sort
     data=intro.fat;
   by ht;
@@ -37492,15 +36530,31 @@
             </a:r>
             <a:r>
               <a:rPr/>
-              <a:t>proc</a:t>
-            </a:r>
-            <a:r>
-              <a:rPr/>
-              <a:t> </a:t>
-            </a:r>
-            <a:r>
-              <a:rPr/>
-              <a:t>means</a:t>
+              <a:t>print</a:t>
+            </a:r>
+            <a:r>
+              <a:rPr/>
+              <a:t> </a:t>
+            </a:r>
+            <a:r>
+              <a:rPr/>
+              <a:t>the</a:t>
+            </a:r>
+            <a:r>
+              <a:rPr/>
+              <a:t> </a:t>
+            </a:r>
+            <a:r>
+              <a:rPr/>
+              <a:t>smallest</a:t>
+            </a:r>
+            <a:r>
+              <a:rPr/>
+              <a:t> </a:t>
+            </a:r>
+            <a:r>
+              <a:rPr/>
+              <a:t>value</a:t>
             </a:r>
           </a:p>
         </p:txBody>
@@ -37631,15 +36685,31 @@
             </a:r>
             <a:r>
               <a:rPr/>
-              <a:t>proc</a:t>
-            </a:r>
-            <a:r>
-              <a:rPr/>
-              <a:t> </a:t>
-            </a:r>
-            <a:r>
-              <a:rPr/>
-              <a:t>means</a:t>
+              <a:t>printing</a:t>
+            </a:r>
+            <a:r>
+              <a:rPr/>
+              <a:t> </a:t>
+            </a:r>
+            <a:r>
+              <a:rPr/>
+              <a:t>the</a:t>
+            </a:r>
+            <a:r>
+              <a:rPr/>
+              <a:t> </a:t>
+            </a:r>
+            <a:r>
+              <a:rPr/>
+              <a:t>largest</a:t>
+            </a:r>
+            <a:r>
+              <a:rPr/>
+              <a:t> </a:t>
+            </a:r>
+            <a:r>
+              <a:rPr/>
+              <a:t>value</a:t>
             </a:r>
           </a:p>
         </p:txBody>
@@ -37666,7 +36736,16 @@
               <a:rPr sz="1800">
                 <a:latin typeface="Courier"/>
               </a:rPr>
-              <a:t>No beginning found</a:t>
+              <a:t>* Part06. Look at the largest value;
+proc sort
+    data=intro.fat;
+  by descending ht;
+run;
+proc print
+    data=intro.fat(obs=1);
+  title1 "The row with the largest ht";
+  title2 "This seems quite normal to me";
+run;</a:t>
             </a:r>
           </a:p>
         </p:txBody>
@@ -37729,15 +36808,31 @@
             </a:r>
             <a:r>
               <a:rPr/>
-              <a:t>proc</a:t>
-            </a:r>
-            <a:r>
-              <a:rPr/>
-              <a:t> </a:t>
-            </a:r>
-            <a:r>
-              <a:rPr/>
-              <a:t>means</a:t>
+              <a:t>printing</a:t>
+            </a:r>
+            <a:r>
+              <a:rPr/>
+              <a:t> </a:t>
+            </a:r>
+            <a:r>
+              <a:rPr/>
+              <a:t>the</a:t>
+            </a:r>
+            <a:r>
+              <a:rPr/>
+              <a:t> </a:t>
+            </a:r>
+            <a:r>
+              <a:rPr/>
+              <a:t>largest</a:t>
+            </a:r>
+            <a:r>
+              <a:rPr/>
+              <a:t> </a:t>
+            </a:r>
+            <a:r>
+              <a:rPr/>
+              <a:t>value</a:t>
             </a:r>
           </a:p>
         </p:txBody>
@@ -38000,7 +37095,8 @@
               <a:rPr sz="1800">
                 <a:latin typeface="Courier"/>
               </a:rPr>
-              <a:t>data intro.fat1;
+              <a:t>* Part07. Removing the entire row;
+data intro.fat1;
   set intro.fat;
   if ht &gt; 29.5;
 run;</a:t>
@@ -38101,7 +37197,8 @@
               <a:rPr sz="1800">
                 <a:latin typeface="Courier"/>
               </a:rPr>
-              <a:t>data intro.fat2;
+              <a:t>* Part08. Converting the outlier to a missing value;
+data intro.fat2;
   set intro.fat;
   if ht=29.5 then ht=.;
 run;</a:t>
@@ -38210,7 +37307,7 @@
               <a:rPr sz="1800">
                 <a:latin typeface="Courier"/>
               </a:rPr>
-              <a:t>* Faulty approach for filtering out negative values;
+              <a:t>* Part09. Faulty approach for filtering out negative values;
 proc print
     data=intro.fat2;
   where ht &lt; 0;
@@ -38294,7 +37391,7 @@
             </a:r>
             <a:r>
               <a:rPr/>
-              <a:t>wiht</a:t>
+              <a:t>with</a:t>
             </a:r>
             <a:r>
               <a:rPr/>
@@ -38727,7 +37824,7 @@
               <a:rPr sz="1800">
                 <a:latin typeface="Courier"/>
               </a:rPr>
-              <a:t>* Counting missing values;
+              <a:t>* Part10. Counting missing values;
 proc means
     n nmiss mean std min max
     data=intro.fat2;
@@ -39100,7 +38197,7 @@
               <a:rPr sz="1800">
                 <a:latin typeface="Courier"/>
               </a:rPr>
-              <a:t>* Simple transformations;
+              <a:t>* Part11. Simple transformations;
 data converted_units;
   set intro.fat2;
   ht_cm = ht * 2.54;
@@ -39339,7 +38436,7 @@
               <a:rPr sz="1800">
                 <a:latin typeface="Courier"/>
               </a:rPr>
-              <a:t>* Display a histogram;
+              <a:t>* Part12. Display a histogram;
 proc sgplot
     data=intro.fat2;
   histogram ht;
@@ -39589,11 +38686,11 @@
               <a:rPr sz="1800">
                 <a:latin typeface="Courier"/>
               </a:rPr>
-              <a:t>* Display a histogram;
+              <a:t>* Part13. Revised histogram with narrow bins;
 proc sgplot
     data=intro.fat2;
-  histogram ht;
-  title "Histogram with default bins";
+  histogram ht / binstart=60 binwidth=1;
+  title "Histogram with narrow bins";
 run;</a:t>
             </a:r>
           </a:p>
@@ -39977,13 +39074,7 @@
               <a:rPr sz="1800">
                 <a:latin typeface="Courier"/>
               </a:rPr>
-              <a:t>* Revised histogram with narrow bins;
-proc sgplot
-    data=intro.fat2;
-  histogram ht / binstart=60 binwidth=1;
-  title "Histogram with narrow bins";
-run;
-* Revised histogram with wide bins;
+              <a:t>* Part14. Revised histogram with wide bins;
 proc sgplot
     data=intro.fat2;
   histogram ht / binstart=60 binwidth=5;
@@ -40323,21 +39414,45 @@
           <a:bodyPr/>
           <a:lstStyle/>
           <a:p>
-            <a:pPr lvl="0" marL="1270000" indent="0">
-              <a:buNone/>
-            </a:pPr>
-            <a:r>
-              <a:rPr sz="1800">
-                <a:latin typeface="Courier"/>
-              </a:rPr>
-              <a:t>* Calculate correlations;
-proc corr
-    data=intro.fat2
-    noprob nosimple;
-  var fat_brozek fat_siri;
-  with neck -- wrist;
-  title "Correlation matrix";
-run;</a:t>
+            <a:pPr lvl="1"/>
+            <a:r>
+              <a:rPr/>
+              <a:t>Informal interpretation</a:t>
+            </a:r>
+          </a:p>
+          <a:p>
+            <a:pPr lvl="2"/>
+            <a:r>
+              <a:rPr/>
+              <a:t>between +0.7 and +1.0: strong positive association</a:t>
+            </a:r>
+          </a:p>
+          <a:p>
+            <a:pPr lvl="2"/>
+            <a:r>
+              <a:rPr/>
+              <a:t>between +0.3 and +0.7: weak positive association</a:t>
+            </a:r>
+          </a:p>
+          <a:p>
+            <a:pPr lvl="2"/>
+            <a:r>
+              <a:rPr/>
+              <a:t>between -0.3 and +0.3: little or no association</a:t>
+            </a:r>
+          </a:p>
+          <a:p>
+            <a:pPr lvl="2"/>
+            <a:r>
+              <a:rPr/>
+              <a:t>between -0.3 and -0.7: weak positive association</a:t>
+            </a:r>
+          </a:p>
+          <a:p>
+            <a:pPr lvl="2"/>
+            <a:r>
+              <a:rPr/>
+              <a:t>between -0.7 and -1.0: strong negative association</a:t>
             </a:r>
           </a:p>
         </p:txBody>
@@ -40435,7 +39550,7 @@
               <a:rPr sz="1800">
                 <a:latin typeface="Courier"/>
               </a:rPr>
-              <a:t>* Calculate correlations;
+              <a:t>* Part15. Calculate correlations;
 proc corr
     data=intro.fat2
     noprob nosimple;
@@ -40834,7 +39949,7 @@
               <a:rPr sz="1800">
                 <a:latin typeface="Courier"/>
               </a:rPr>
-              <a:t>* Save the correlations in a separate data file.;
+              <a:t>* Part16. Save the correlations in a separate data file.;
 proc corr
     data=intro.fat2
     noprint
@@ -41399,6 +40514,14 @@
               <a:rPr/>
               <a:t>correlations</a:t>
             </a:r>
+            <a:r>
+              <a:rPr/>
+              <a:t> </a:t>
+            </a:r>
+            <a:r>
+              <a:rPr/>
+              <a:t>(1/2)</a:t>
+            </a:r>
           </a:p>
         </p:txBody>
       </p:sp>
@@ -41424,7 +40547,7 @@
               <a:rPr sz="1800">
                 <a:latin typeface="Courier"/>
               </a:rPr>
-              <a:t>* Modifying these correlations.;
+              <a:t>* Part17. Modify these correlations.;
 data correlations;
   set correlations;
   if _type_="CORR";
@@ -41435,10 +40558,6 @@
 proc sort
     data=correlations;
   by descending fat_brozek;
-run;
-proc print 
-    data=correlations;
-  title "Rounded and re-ordered correlation matrix";
 run;</a:t>
             </a:r>
           </a:p>
@@ -41450,6 +40569,116 @@
 </file>
 
 <file path=ppt/slides/slide51.xml><?xml version="1.0" encoding="utf-8"?>
+<p:sld xmlns:a="http://schemas.openxmlformats.org/drawingml/2006/main" xmlns:r="http://schemas.openxmlformats.org/officeDocument/2006/relationships" xmlns:p="http://schemas.openxmlformats.org/presentationml/2006/main">
+  <p:cSld>
+    <p:spTree>
+      <p:nvGrpSpPr>
+        <p:cNvPr id="1" name=""/>
+        <p:cNvGrpSpPr/>
+        <p:nvPr/>
+      </p:nvGrpSpPr>
+      <p:grpSpPr>
+        <a:xfrm>
+          <a:off x="0" y="0"/>
+          <a:ext cx="0" cy="0"/>
+          <a:chOff x="0" y="0"/>
+          <a:chExt cx="0" cy="0"/>
+        </a:xfrm>
+      </p:grpSpPr>
+      <p:sp>
+        <p:nvSpPr>
+          <p:cNvPr id="2" name="Title 1"/>
+          <p:cNvSpPr>
+            <a:spLocks noGrp="1"/>
+          </p:cNvSpPr>
+          <p:nvPr>
+            <p:ph type="title"/>
+          </p:nvPr>
+        </p:nvSpPr>
+        <p:spPr/>
+        <p:txBody>
+          <a:bodyPr/>
+          <a:lstStyle/>
+          <a:p>
+            <a:pPr lvl="0" marL="0" indent="0">
+              <a:buNone/>
+            </a:pPr>
+            <a:r>
+              <a:rPr/>
+              <a:t>SAS</a:t>
+            </a:r>
+            <a:r>
+              <a:rPr/>
+              <a:t> </a:t>
+            </a:r>
+            <a:r>
+              <a:rPr/>
+              <a:t>code,</a:t>
+            </a:r>
+            <a:r>
+              <a:rPr/>
+              <a:t> </a:t>
+            </a:r>
+            <a:r>
+              <a:rPr/>
+              <a:t>Modified</a:t>
+            </a:r>
+            <a:r>
+              <a:rPr/>
+              <a:t> </a:t>
+            </a:r>
+            <a:r>
+              <a:rPr/>
+              <a:t>correlations</a:t>
+            </a:r>
+            <a:r>
+              <a:rPr/>
+              <a:t> </a:t>
+            </a:r>
+            <a:r>
+              <a:rPr/>
+              <a:t>(2/2)</a:t>
+            </a:r>
+          </a:p>
+        </p:txBody>
+      </p:sp>
+      <p:sp>
+        <p:nvSpPr>
+          <p:cNvPr id="3" name="Content Placeholder 2"/>
+          <p:cNvSpPr>
+            <a:spLocks noGrp="1"/>
+          </p:cNvSpPr>
+          <p:nvPr>
+            <p:ph idx="1"/>
+          </p:nvPr>
+        </p:nvSpPr>
+        <p:spPr/>
+        <p:txBody>
+          <a:bodyPr/>
+          <a:lstStyle/>
+          <a:p>
+            <a:pPr lvl="0" marL="1270000" indent="0">
+              <a:buNone/>
+            </a:pPr>
+            <a:r>
+              <a:rPr sz="1800">
+                <a:latin typeface="Courier"/>
+              </a:rPr>
+              <a:t>* Part18. Print the modified correlations.;
+proc print 
+    data=correlations;
+  title "Rounded and re-ordered correlation matrix";
+run;</a:t>
+            </a:r>
+          </a:p>
+        </p:txBody>
+      </p:sp>
+    </p:spTree>
+  </p:cSld>
+</p:sld>
+</file>
+
+<file path=ppt/slides/slide52.xml><?xml version="1.0" encoding="utf-8"?>
 <p:sld xmlns:a="http://schemas.openxmlformats.org/drawingml/2006/main" xmlns:r="http://schemas.openxmlformats.org/officeDocument/2006/relationships" xmlns:p="http://schemas.openxmlformats.org/presentationml/2006/main">
   <p:cSld>
     <p:spTree>
@@ -41588,7 +40817,7 @@
 </p:sld>
 </file>
 
-<file path=ppt/slides/slide52.xml><?xml version="1.0" encoding="utf-8"?>
+<file path=ppt/slides/slide53.xml><?xml version="1.0" encoding="utf-8"?>
 <p:sld xmlns:a="http://schemas.openxmlformats.org/drawingml/2006/main" xmlns:r="http://schemas.openxmlformats.org/officeDocument/2006/relationships" xmlns:p="http://schemas.openxmlformats.org/presentationml/2006/main">
   <p:cSld>
     <p:spTree>
@@ -41676,7 +40905,7 @@
               <a:rPr sz="1800">
                 <a:latin typeface="Courier"/>
               </a:rPr>
-              <a:t>* Draw a scatterplot.;
+              <a:t>* Part19. Draw a scatterplot.;
 proc sgplot
     data=intro.fat2;
   scatter x=abdomen y=fat_brozek;
@@ -41691,7 +40920,7 @@
 </p:sld>
 </file>
 
-<file path=ppt/slides/slide53.xml><?xml version="1.0" encoding="utf-8"?>
+<file path=ppt/slides/slide54.xml><?xml version="1.0" encoding="utf-8"?>
 <p:sld xmlns:a="http://schemas.openxmlformats.org/drawingml/2006/main" xmlns:r="http://schemas.openxmlformats.org/officeDocument/2006/relationships" xmlns:p="http://schemas.openxmlformats.org/presentationml/2006/main">
   <p:cSld>
     <p:spTree>
@@ -41830,7 +41059,7 @@
 </p:sld>
 </file>
 
-<file path=ppt/slides/slide54.xml><?xml version="1.0" encoding="utf-8"?>
+<file path=ppt/slides/slide55.xml><?xml version="1.0" encoding="utf-8"?>
 <p:sld xmlns:a="http://schemas.openxmlformats.org/drawingml/2006/main" xmlns:r="http://schemas.openxmlformats.org/officeDocument/2006/relationships" xmlns:p="http://schemas.openxmlformats.org/presentationml/2006/main">
   <p:cSld>
     <p:spTree>
@@ -41926,7 +41155,7 @@
               <a:rPr sz="1800">
                 <a:latin typeface="Courier"/>
               </a:rPr>
-              <a:t>* Adding linear trend line.;
+              <a:t>* Part20. Adding linear trend line.;
 proc sgplot
     data=intro.fat2;
   scatter x=abdomen y=fat_brozek;
@@ -41942,7 +41171,7 @@
 </p:sld>
 </file>
 
-<file path=ppt/slides/slide55.xml><?xml version="1.0" encoding="utf-8"?>
+<file path=ppt/slides/slide56.xml><?xml version="1.0" encoding="utf-8"?>
 <p:sld xmlns:a="http://schemas.openxmlformats.org/drawingml/2006/main" xmlns:r="http://schemas.openxmlformats.org/officeDocument/2006/relationships" xmlns:p="http://schemas.openxmlformats.org/presentationml/2006/main">
   <p:cSld>
     <p:spTree>
@@ -42105,7 +41334,7 @@
 </p:sld>
 </file>
 
-<file path=ppt/slides/slide56.xml><?xml version="1.0" encoding="utf-8"?>
+<file path=ppt/slides/slide57.xml><?xml version="1.0" encoding="utf-8"?>
 <p:sld xmlns:a="http://schemas.openxmlformats.org/drawingml/2006/main" xmlns:r="http://schemas.openxmlformats.org/officeDocument/2006/relationships" xmlns:p="http://schemas.openxmlformats.org/presentationml/2006/main">
   <p:cSld>
     <p:spTree>
@@ -42193,13 +41422,14 @@
               <a:rPr sz="1800">
                 <a:latin typeface="Courier"/>
               </a:rPr>
-              <a:t>* Adding a smooth curve.;
+              <a:t>* Part21. Adding a smooth curve.;
 proc sgplot
     data=intro.fat2;
   scatter x=abdomen y=fat_brozek;
   pbspline x=abdomen y=fat_brozek;
   title "Scatterplot with a smooth curve";
-run;</a:t>
+run;
+ods pdf close;</a:t>
             </a:r>
           </a:p>
         </p:txBody>
@@ -42209,7 +41439,7 @@
 </p:sld>
 </file>
 
-<file path=ppt/slides/slide57.xml><?xml version="1.0" encoding="utf-8"?>
+<file path=ppt/slides/slide58.xml><?xml version="1.0" encoding="utf-8"?>
 <p:sld xmlns:a="http://schemas.openxmlformats.org/drawingml/2006/main" xmlns:r="http://schemas.openxmlformats.org/officeDocument/2006/relationships" xmlns:p="http://schemas.openxmlformats.org/presentationml/2006/main">
   <p:cSld>
     <p:spTree>
@@ -42372,88 +41602,6 @@
 </p:sld>
 </file>
 
-<file path=ppt/slides/slide58.xml><?xml version="1.0" encoding="utf-8"?>
-<p:sld xmlns:a="http://schemas.openxmlformats.org/drawingml/2006/main" xmlns:r="http://schemas.openxmlformats.org/officeDocument/2006/relationships" xmlns:p="http://schemas.openxmlformats.org/presentationml/2006/main">
-  <p:cSld>
-    <p:spTree>
-      <p:nvGrpSpPr>
-        <p:cNvPr id="1" name=""/>
-        <p:cNvGrpSpPr/>
-        <p:nvPr/>
-      </p:nvGrpSpPr>
-      <p:grpSpPr>
-        <a:xfrm>
-          <a:off x="0" y="0"/>
-          <a:ext cx="0" cy="0"/>
-          <a:chOff x="0" y="0"/>
-          <a:chExt cx="0" cy="0"/>
-        </a:xfrm>
-      </p:grpSpPr>
-      <p:sp>
-        <p:nvSpPr>
-          <p:cNvPr id="2" name="Title 1"/>
-          <p:cNvSpPr>
-            <a:spLocks noGrp="1"/>
-          </p:cNvSpPr>
-          <p:nvPr>
-            <p:ph type="title"/>
-          </p:nvPr>
-        </p:nvSpPr>
-        <p:spPr/>
-        <p:txBody>
-          <a:bodyPr/>
-          <a:lstStyle/>
-          <a:p>
-            <a:pPr lvl="0" marL="0" indent="0">
-              <a:buNone/>
-            </a:pPr>
-            <a:r>
-              <a:rPr/>
-              <a:t>Don’t</a:t>
-            </a:r>
-            <a:r>
-              <a:rPr/>
-              <a:t> </a:t>
-            </a:r>
-            <a:r>
-              <a:rPr/>
-              <a:t>forget!</a:t>
-            </a:r>
-          </a:p>
-        </p:txBody>
-      </p:sp>
-      <p:sp>
-        <p:nvSpPr>
-          <p:cNvPr id="3" name="Content Placeholder 2"/>
-          <p:cNvSpPr>
-            <a:spLocks noGrp="1"/>
-          </p:cNvSpPr>
-          <p:nvPr>
-            <p:ph idx="1"/>
-          </p:nvPr>
-        </p:nvSpPr>
-        <p:spPr/>
-        <p:txBody>
-          <a:bodyPr/>
-          <a:lstStyle/>
-          <a:p>
-            <a:pPr lvl="0" marL="1270000" indent="0">
-              <a:buNone/>
-            </a:pPr>
-            <a:r>
-              <a:rPr sz="1800">
-                <a:latin typeface="Courier"/>
-              </a:rPr>
-              <a:t>ods pdf close;</a:t>
-            </a:r>
-          </a:p>
-        </p:txBody>
-      </p:sp>
-    </p:spTree>
-  </p:cSld>
-</p:sld>
-</file>
-
 <file path=ppt/slides/slide59.xml><?xml version="1.0" encoding="utf-8"?>
 <p:sld xmlns:a="http://schemas.openxmlformats.org/drawingml/2006/main" xmlns:r="http://schemas.openxmlformats.org/officeDocument/2006/relationships" xmlns:p="http://schemas.openxmlformats.org/presentationml/2006/main">
   <p:cSld>
@@ -42491,7 +41639,15 @@
             </a:pPr>
             <a:r>
               <a:rPr/>
-              <a:t>Summary</a:t>
+              <a:t>Don’t</a:t>
+            </a:r>
+            <a:r>
+              <a:rPr/>
+              <a:t> </a:t>
+            </a:r>
+            <a:r>
+              <a:rPr/>
+              <a:t>forget!</a:t>
             </a:r>
           </a:p>
         </p:txBody>
@@ -42511,87 +41667,14 @@
           <a:bodyPr/>
           <a:lstStyle/>
           <a:p>
-            <a:pPr lvl="1"/>
-            <a:r>
-              <a:rPr/>
-              <a:t>What have you learned</a:t>
-            </a:r>
-          </a:p>
-          <a:p>
-            <a:pPr lvl="2"/>
-            <a:r>
-              <a:rPr/>
-              <a:t>Rules for variable names</a:t>
-            </a:r>
-          </a:p>
-          <a:p>
-            <a:pPr lvl="2"/>
-            <a:r>
-              <a:rPr/>
-              <a:t>Using variable labels</a:t>
-            </a:r>
-          </a:p>
-          <a:p>
-            <a:pPr lvl="2"/>
-            <a:r>
-              <a:rPr/>
-              <a:t>Printing a small piece of data</a:t>
-            </a:r>
-          </a:p>
-          <a:p>
-            <a:pPr lvl="2"/>
-            <a:r>
-              <a:rPr/>
-              <a:t>Simple descriptive statistics</a:t>
-            </a:r>
-          </a:p>
-          <a:p>
-            <a:pPr lvl="2"/>
-            <a:r>
-              <a:rPr/>
-              <a:t>Printing row with smallest/largest value</a:t>
-            </a:r>
-          </a:p>
-          <a:p>
-            <a:pPr lvl="2"/>
-            <a:r>
-              <a:rPr/>
-              <a:t>Handling outliers</a:t>
-            </a:r>
-          </a:p>
-          <a:p>
-            <a:pPr lvl="2"/>
-            <a:r>
-              <a:rPr/>
-              <a:t>Missing value logic</a:t>
-            </a:r>
-          </a:p>
-          <a:p>
-            <a:pPr lvl="2"/>
-            <a:r>
-              <a:rPr/>
-              <a:t>Simple transformations</a:t>
-            </a:r>
-          </a:p>
-          <a:p>
-            <a:pPr lvl="2"/>
-            <a:r>
-              <a:rPr/>
-              <a:t>Histograms</a:t>
-            </a:r>
-          </a:p>
-          <a:p>
-            <a:pPr lvl="2"/>
-            <a:r>
-              <a:rPr/>
-              <a:t>Correlations</a:t>
-            </a:r>
-          </a:p>
-          <a:p>
-            <a:pPr lvl="2"/>
-            <a:r>
-              <a:rPr/>
-              <a:t>Scatterplots</a:t>
+            <a:pPr lvl="0" marL="1270000" indent="0">
+              <a:buNone/>
+            </a:pPr>
+            <a:r>
+              <a:rPr sz="1800">
+                <a:latin typeface="Courier"/>
+              </a:rPr>
+              <a:t>ods pdf close;</a:t>
             </a:r>
           </a:p>
         </p:txBody>
@@ -42703,6 +41786,139 @@
 </p:sld>
 </file>
 
+<file path=ppt/slides/slide60.xml><?xml version="1.0" encoding="utf-8"?>
+<p:sld xmlns:a="http://schemas.openxmlformats.org/drawingml/2006/main" xmlns:r="http://schemas.openxmlformats.org/officeDocument/2006/relationships" xmlns:p="http://schemas.openxmlformats.org/presentationml/2006/main">
+  <p:cSld>
+    <p:spTree>
+      <p:nvGrpSpPr>
+        <p:cNvPr id="1" name=""/>
+        <p:cNvGrpSpPr/>
+        <p:nvPr/>
+      </p:nvGrpSpPr>
+      <p:grpSpPr>
+        <a:xfrm>
+          <a:off x="0" y="0"/>
+          <a:ext cx="0" cy="0"/>
+          <a:chOff x="0" y="0"/>
+          <a:chExt cx="0" cy="0"/>
+        </a:xfrm>
+      </p:grpSpPr>
+      <p:sp>
+        <p:nvSpPr>
+          <p:cNvPr id="2" name="Title 1"/>
+          <p:cNvSpPr>
+            <a:spLocks noGrp="1"/>
+          </p:cNvSpPr>
+          <p:nvPr>
+            <p:ph type="title"/>
+          </p:nvPr>
+        </p:nvSpPr>
+        <p:spPr/>
+        <p:txBody>
+          <a:bodyPr/>
+          <a:lstStyle/>
+          <a:p>
+            <a:pPr lvl="0" marL="0" indent="0">
+              <a:buNone/>
+            </a:pPr>
+            <a:r>
+              <a:rPr/>
+              <a:t>Summary</a:t>
+            </a:r>
+          </a:p>
+        </p:txBody>
+      </p:sp>
+      <p:sp>
+        <p:nvSpPr>
+          <p:cNvPr id="3" name="Content Placeholder 2"/>
+          <p:cNvSpPr>
+            <a:spLocks noGrp="1"/>
+          </p:cNvSpPr>
+          <p:nvPr>
+            <p:ph idx="1"/>
+          </p:nvPr>
+        </p:nvSpPr>
+        <p:spPr/>
+        <p:txBody>
+          <a:bodyPr/>
+          <a:lstStyle/>
+          <a:p>
+            <a:pPr lvl="1"/>
+            <a:r>
+              <a:rPr/>
+              <a:t>What have you learned</a:t>
+            </a:r>
+          </a:p>
+          <a:p>
+            <a:pPr lvl="2"/>
+            <a:r>
+              <a:rPr/>
+              <a:t>Using variable labels</a:t>
+            </a:r>
+          </a:p>
+          <a:p>
+            <a:pPr lvl="2"/>
+            <a:r>
+              <a:rPr/>
+              <a:t>Printing a small piece of data</a:t>
+            </a:r>
+          </a:p>
+          <a:p>
+            <a:pPr lvl="2"/>
+            <a:r>
+              <a:rPr/>
+              <a:t>Simple descriptive statistics</a:t>
+            </a:r>
+          </a:p>
+          <a:p>
+            <a:pPr lvl="2"/>
+            <a:r>
+              <a:rPr/>
+              <a:t>Printing row with smallest/largest value</a:t>
+            </a:r>
+          </a:p>
+          <a:p>
+            <a:pPr lvl="2"/>
+            <a:r>
+              <a:rPr/>
+              <a:t>Missing value logic</a:t>
+            </a:r>
+          </a:p>
+          <a:p>
+            <a:pPr lvl="2"/>
+            <a:r>
+              <a:rPr/>
+              <a:t>Simple transformations</a:t>
+            </a:r>
+          </a:p>
+          <a:p>
+            <a:pPr lvl="2"/>
+            <a:r>
+              <a:rPr/>
+              <a:t>Histograms</a:t>
+            </a:r>
+          </a:p>
+          <a:p>
+            <a:pPr lvl="2"/>
+            <a:r>
+              <a:rPr/>
+              <a:t>Correlations</a:t>
+            </a:r>
+          </a:p>
+          <a:p>
+            <a:pPr lvl="2"/>
+            <a:r>
+              <a:rPr/>
+              <a:t>Scatterplots</a:t>
+            </a:r>
+          </a:p>
+        </p:txBody>
+      </p:sp>
+    </p:spTree>
+  </p:cSld>
+</p:sld>
+</file>
+
 <file path=ppt/slides/slide7.xml><?xml version="1.0" encoding="utf-8"?>
 <p:sld xmlns:a="http://schemas.openxmlformats.org/drawingml/2006/main" xmlns:r="http://schemas.openxmlformats.org/officeDocument/2006/relationships" xmlns:p="http://schemas.openxmlformats.org/presentationml/2006/main">
   <p:cSld>
@@ -42807,7 +42023,8 @@
               <a:rPr sz="1800">
                 <a:latin typeface="Courier"/>
               </a:rPr>
-              <a:t>filename fat
+              <a:t>%let p=q:/introduction-to-sas;
+filename fat
   "&amp;p/data/fat.txt";
 libname intro
   "&amp;p/data";
@@ -42918,7 +42135,8 @@
               <a:rPr sz="1800">
                 <a:latin typeface="Courier"/>
               </a:rPr>
-              <a:t>data intro.fat;
+              <a:t>* Part01. Read in the data;
+data intro.fat;
   infile fat;
   input 
     case
